--- a/queri23_bia/Budget Impact Analysis for Implementation Projects.pptx
+++ b/queri23_bia/Budget Impact Analysis for Implementation Projects.pptx
@@ -9041,8 +9041,13 @@
             </a:pPr>
             <a:r>
               <a:rPr lang="en-US" dirty="0"/>
-              <a:t>Funding for my travel to this conference was provided for by the Behavioral Health QUERI (QUE 20-026) and QUERI’s Evidence, Policy, and Implementation Center (QUE #)</a:t>
-            </a:r>
+              <a:t>Funding for my travel to this conference was provided for by the Behavioral Health QUERI (QUE 20-026) and QUERI’s Evidence, Policy, and Implementation </a:t>
+            </a:r>
+            <a:r>
+              <a:rPr lang="en-US"/>
+              <a:t>Center (EBP 22-104)</a:t>
+            </a:r>
+            <a:endParaRPr lang="en-US" dirty="0"/>
           </a:p>
           <a:p>
             <a:pPr>
@@ -10938,6 +10943,11 @@
           </p:cNvGraphicFramePr>
           <p:nvPr>
             <p:ph idx="1"/>
+            <p:extLst>
+              <p:ext uri="{D42A27DB-BD31-4B8C-83A1-F6EECF244321}">
+                <p14:modId xmlns:p14="http://schemas.microsoft.com/office/powerpoint/2010/main" val="1641439779"/>
+              </p:ext>
+            </p:extLst>
           </p:nvPr>
         </p:nvGraphicFramePr>
         <p:xfrm>
@@ -11501,7 +11511,7 @@
                     <a:p>
                       <a:pPr algn="ctr"/>
                       <a:r>
-                        <a:rPr lang="en-US" sz="2400" dirty="0">
+                        <a:rPr lang="en-US" sz="2400">
                           <a:sym typeface="Wingdings" panose="05000000000000000000" pitchFamily="2" charset="2"/>
                         </a:rPr>
                         <a:t></a:t>
